--- a/Problem-Identification/Kiman Park PSW - Guided Capstone.pptx
+++ b/Problem-Identification/Kiman Park PSW - Guided Capstone.pptx
@@ -257,10 +257,71 @@
       </p15:sldGuideLst>
     </p:ext>
     <p:ext uri="http://customooxmlschemas.google.com/">
-      <go:slidesCustomData xmlns:go="http://customooxmlschemas.google.com/" xmlns:p15="http://schemas.microsoft.com/office/powerpoint/2012/main" xmlns:p14="http://schemas.microsoft.com/office/powerpoint/2010/main" xmlns:com="http://schemas.openxmlformats.org/drawingml/2006/compatibility" xmlns:pvml="urn:schemas-microsoft-com:office:powerpoint" xmlns:v="urn:schemas-microsoft-com:vml" xmlns:o="urn:schemas-microsoft-com:office:office" xmlns:dgm="http://schemas.openxmlformats.org/drawingml/2006/diagram" xmlns:c="http://schemas.openxmlformats.org/drawingml/2006/chart" xmlns:mv="urn:schemas-microsoft-com:mac:vml" xmlns:mc="http://schemas.openxmlformats.org/markup-compatibility/2006" xmlns="" r:id="rId7" roundtripDataSignature="AMtx7mjdo7FECp685JsX7/4pIVeoAktjNA=="/>
+      <go:slidesCustomData xmlns="" xmlns:mc="http://schemas.openxmlformats.org/markup-compatibility/2006" xmlns:mv="urn:schemas-microsoft-com:mac:vml" xmlns:c="http://schemas.openxmlformats.org/drawingml/2006/chart" xmlns:dgm="http://schemas.openxmlformats.org/drawingml/2006/diagram" xmlns:o="urn:schemas-microsoft-com:office:office" xmlns:v="urn:schemas-microsoft-com:vml" xmlns:pvml="urn:schemas-microsoft-com:office:powerpoint" xmlns:com="http://schemas.openxmlformats.org/drawingml/2006/compatibility" xmlns:p14="http://schemas.microsoft.com/office/powerpoint/2010/main" xmlns:p15="http://schemas.microsoft.com/office/powerpoint/2012/main" xmlns:go="http://customooxmlschemas.google.com/" r:id="rId7" roundtripDataSignature="AMtx7mjdo7FECp685JsX7/4pIVeoAktjNA=="/>
     </p:ext>
   </p:extLst>
 </p:presentation>
+</file>
+
+<file path=ppt/changesInfos/changesInfo1.xml><?xml version="1.0" encoding="utf-8"?>
+<pc:chgInfo xmlns:a="http://schemas.openxmlformats.org/drawingml/2006/main" xmlns:r="http://schemas.openxmlformats.org/officeDocument/2006/relationships" xmlns:ac="http://schemas.microsoft.com/office/drawing/2013/main/command" xmlns:pc="http://schemas.microsoft.com/office/powerpoint/2013/main/command">
+  <pc:docChgLst>
+    <pc:chgData name="Park, Kiman" userId="cbc96cd9-263b-4246-9080-ed5152535b0e" providerId="ADAL" clId="{EB2B1006-E93F-4894-B9EF-4C6F08DF3328}"/>
+    <pc:docChg chg="custSel modSld">
+      <pc:chgData name="Park, Kiman" userId="cbc96cd9-263b-4246-9080-ed5152535b0e" providerId="ADAL" clId="{EB2B1006-E93F-4894-B9EF-4C6F08DF3328}" dt="2024-01-09T23:53:27.382" v="1011" actId="20577"/>
+      <pc:docMkLst>
+        <pc:docMk/>
+      </pc:docMkLst>
+      <pc:sldChg chg="modSp mod">
+        <pc:chgData name="Park, Kiman" userId="cbc96cd9-263b-4246-9080-ed5152535b0e" providerId="ADAL" clId="{EB2B1006-E93F-4894-B9EF-4C6F08DF3328}" dt="2024-01-09T23:53:27.382" v="1011" actId="20577"/>
+        <pc:sldMkLst>
+          <pc:docMk/>
+          <pc:sldMk cId="0" sldId="256"/>
+        </pc:sldMkLst>
+        <pc:spChg chg="mod">
+          <ac:chgData name="Park, Kiman" userId="cbc96cd9-263b-4246-9080-ed5152535b0e" providerId="ADAL" clId="{EB2B1006-E93F-4894-B9EF-4C6F08DF3328}" dt="2024-01-09T23:10:01.242" v="565" actId="6549"/>
+          <ac:spMkLst>
+            <pc:docMk/>
+            <pc:sldMk cId="0" sldId="256"/>
+            <ac:spMk id="34" creationId="{00000000-0000-0000-0000-000000000000}"/>
+          </ac:spMkLst>
+        </pc:spChg>
+        <pc:spChg chg="mod">
+          <ac:chgData name="Park, Kiman" userId="cbc96cd9-263b-4246-9080-ed5152535b0e" providerId="ADAL" clId="{EB2B1006-E93F-4894-B9EF-4C6F08DF3328}" dt="2024-01-09T23:32:15.691" v="639" actId="20577"/>
+          <ac:spMkLst>
+            <pc:docMk/>
+            <pc:sldMk cId="0" sldId="256"/>
+            <ac:spMk id="35" creationId="{00000000-0000-0000-0000-000000000000}"/>
+          </ac:spMkLst>
+        </pc:spChg>
+        <pc:spChg chg="mod">
+          <ac:chgData name="Park, Kiman" userId="cbc96cd9-263b-4246-9080-ed5152535b0e" providerId="ADAL" clId="{EB2B1006-E93F-4894-B9EF-4C6F08DF3328}" dt="2024-01-09T23:37:22.966" v="939" actId="20577"/>
+          <ac:spMkLst>
+            <pc:docMk/>
+            <pc:sldMk cId="0" sldId="256"/>
+            <ac:spMk id="36" creationId="{00000000-0000-0000-0000-000000000000}"/>
+          </ac:spMkLst>
+        </pc:spChg>
+        <pc:spChg chg="mod">
+          <ac:chgData name="Park, Kiman" userId="cbc96cd9-263b-4246-9080-ed5152535b0e" providerId="ADAL" clId="{EB2B1006-E93F-4894-B9EF-4C6F08DF3328}" dt="2024-01-09T23:53:27.382" v="1011" actId="20577"/>
+          <ac:spMkLst>
+            <pc:docMk/>
+            <pc:sldMk cId="0" sldId="256"/>
+            <ac:spMk id="37" creationId="{00000000-0000-0000-0000-000000000000}"/>
+          </ac:spMkLst>
+        </pc:spChg>
+        <pc:spChg chg="mod">
+          <ac:chgData name="Park, Kiman" userId="cbc96cd9-263b-4246-9080-ed5152535b0e" providerId="ADAL" clId="{EB2B1006-E93F-4894-B9EF-4C6F08DF3328}" dt="2024-01-09T23:25:29.855" v="571" actId="1037"/>
+          <ac:spMkLst>
+            <pc:docMk/>
+            <pc:sldMk cId="0" sldId="256"/>
+            <ac:spMk id="48" creationId="{00000000-0000-0000-0000-000000000000}"/>
+          </ac:spMkLst>
+        </pc:spChg>
+      </pc:sldChg>
+    </pc:docChg>
+  </pc:docChgLst>
+</pc:chgInfo>
 </file>
 
 <file path=ppt/notesMasters/notesMaster1.xml><?xml version="1.0" encoding="utf-8"?>
@@ -4737,7 +4798,7 @@
             </a:pPr>
             <a:r>
               <a:rPr lang="en-AU" sz="1070" dirty="0"/>
-              <a:t>The client, Big Mountain Resort, recently bought an additional chair lift ($1,540,000 increase in operating cost this season) and is looking to capitalize on its facilities as much as possible.</a:t>
+              <a:t>The client, Big Mountain Resort, recently bought an additional chair lift ($1,540,000 increase in operating cost this season) and is looking to capitalize on its facilities as much as possible. Furthermore, data-driven strategies are needed for better ticketing prices. </a:t>
             </a:r>
             <a:endParaRPr dirty="0"/>
           </a:p>
@@ -4790,11 +4851,7 @@
                 <a:cs typeface="Arial"/>
                 <a:sym typeface="Arial"/>
               </a:rPr>
-              <a:t>Make changes to the strategy without affecting</a:t>
-            </a:r>
-            <a:r>
-              <a:rPr lang="en-AU" sz="1071" dirty="0"/>
-              <a:t> ticket prices or supporting a higher ticket price. </a:t>
+              <a:t>Increase ticket value by 10% and decrease 10% of the operation cost.</a:t>
             </a:r>
             <a:endParaRPr sz="1071" i="0" u="none" strike="noStrike" cap="none" dirty="0">
               <a:solidFill>
@@ -4817,7 +4874,7 @@
         <p:spPr>
           <a:xfrm>
             <a:off x="186842" y="5184805"/>
-            <a:ext cx="4324418" cy="751488"/>
+            <a:ext cx="4280684" cy="751488"/>
           </a:xfrm>
           <a:prstGeom prst="rect">
             <a:avLst/>
@@ -4855,7 +4912,7 @@
                 <a:cs typeface="Arial"/>
                 <a:sym typeface="Arial"/>
               </a:rPr>
-              <a:t>The scope will explore options for the ticketing price based on the vertical drops, longest run, and the number of lifts. </a:t>
+              <a:t>The scope will explore ski resort data to come up with options for ticketing prices by comparing similar markets and other variables that make Big Mountain Resort unique. Furthermore, variables that are not contributing to the income can be decreased and cut the operation cost. </a:t>
             </a:r>
             <a:endParaRPr sz="1400" i="0" u="none" strike="noStrike" cap="none" dirty="0">
               <a:solidFill>
@@ -4908,7 +4965,7 @@
             </a:pPr>
             <a:r>
               <a:rPr lang="en-AU" sz="1070" dirty="0"/>
-              <a:t>There are limitations to the approach with pricing above the average price. Furthermore, there is a fixed number of average customers in a year. </a:t>
+              <a:t>There are only 5 rows and 26 columns in the data.</a:t>
             </a:r>
             <a:endParaRPr sz="1070" i="0" u="none" strike="noStrike" cap="none" dirty="0">
               <a:solidFill>
@@ -5628,8 +5685,8 @@
         </p:nvSpPr>
         <p:spPr>
           <a:xfrm>
-            <a:off x="184140" y="540901"/>
-            <a:ext cx="8584648" cy="492443"/>
+            <a:off x="148968" y="540901"/>
+            <a:ext cx="7662522" cy="714329"/>
           </a:xfrm>
           <a:prstGeom prst="rect">
             <a:avLst/>
@@ -5664,7 +5721,7 @@
             </a:pPr>
             <a:r>
               <a:rPr lang="en-AU" b="1" dirty="0"/>
-              <a:t>The business problem is to identify strategic plans for the better ticketing values</a:t>
+              <a:t>The business problem is to identify strategic plans for better ticketing values to increase 10% of the company’s income by comparing similar markets and decrease 10% of the operation cost by making data-driven decisions.</a:t>
             </a:r>
             <a:endParaRPr lang="en-AU" sz="1400" b="1" i="0" u="none" strike="noStrike" cap="none" dirty="0">
               <a:solidFill>
